--- a/AAIC2018DaDAdiscussion.pptx
+++ b/AAIC2018DaDAdiscussion.pptx
@@ -14,6 +14,8 @@
     <p:sldId id="262" r:id="rId8"/>
     <p:sldId id="263" r:id="rId9"/>
     <p:sldId id="264" r:id="rId10"/>
+    <p:sldId id="266" r:id="rId11"/>
+    <p:sldId id="265" r:id="rId12"/>
   </p:sldIdLst>
   <p:sldSz cx="12192000" cy="6858000"/>
   <p:notesSz cx="6858000" cy="9144000"/>
@@ -112,6 +114,11 @@
       </a:defRPr>
     </a:lvl9pPr>
   </p:defaultTextStyle>
+  <p:extLst>
+    <p:ext uri="{EFAFB233-063F-42B5-8137-9DF3F51BA10A}">
+      <p15:sldGuideLst xmlns:p15="http://schemas.microsoft.com/office/powerpoint/2012/main"/>
+    </p:ext>
+  </p:extLst>
 </p:presentation>
 </file>
 
@@ -3481,6 +3488,216 @@
 </p:sld>
 </file>
 
+<file path=ppt/slides/slide10.xml><?xml version="1.0" encoding="utf-8"?>
+<p:sld xmlns:a="http://schemas.openxmlformats.org/drawingml/2006/main" xmlns:r="http://schemas.openxmlformats.org/officeDocument/2006/relationships" xmlns:p="http://schemas.openxmlformats.org/presentationml/2006/main">
+  <p:cSld>
+    <p:spTree>
+      <p:nvGrpSpPr>
+        <p:cNvPr id="1" name=""/>
+        <p:cNvGrpSpPr/>
+        <p:nvPr/>
+      </p:nvGrpSpPr>
+      <p:grpSpPr>
+        <a:xfrm>
+          <a:off x="0" y="0"/>
+          <a:ext cx="0" cy="0"/>
+          <a:chOff x="0" y="0"/>
+          <a:chExt cx="0" cy="0"/>
+        </a:xfrm>
+      </p:grpSpPr>
+      <p:sp>
+        <p:nvSpPr>
+          <p:cNvPr id="2" name="Title 1">
+            <a:extLst>
+              <a:ext uri="{FF2B5EF4-FFF2-40B4-BE49-F238E27FC236}">
+                <a16:creationId xmlns:a16="http://schemas.microsoft.com/office/drawing/2014/main" id="{BB59ECEE-997B-F24D-8392-43B8FE53E2DF}"/>
+              </a:ext>
+            </a:extLst>
+          </p:cNvPr>
+          <p:cNvSpPr>
+            <a:spLocks noGrp="1"/>
+          </p:cNvSpPr>
+          <p:nvPr>
+            <p:ph type="title"/>
+          </p:nvPr>
+        </p:nvSpPr>
+        <p:spPr/>
+        <p:txBody>
+          <a:bodyPr/>
+          <a:lstStyle/>
+          <a:p>
+            <a:r>
+              <a:rPr lang="en-US" dirty="0"/>
+              <a:t>Challenges of AD integrative data analysis</a:t>
+            </a:r>
+          </a:p>
+        </p:txBody>
+      </p:sp>
+      <p:sp>
+        <p:nvSpPr>
+          <p:cNvPr id="3" name="Content Placeholder 2">
+            <a:extLst>
+              <a:ext uri="{FF2B5EF4-FFF2-40B4-BE49-F238E27FC236}">
+                <a16:creationId xmlns:a16="http://schemas.microsoft.com/office/drawing/2014/main" id="{821F6747-1FC9-3D43-9882-D056F8E79571}"/>
+              </a:ext>
+            </a:extLst>
+          </p:cNvPr>
+          <p:cNvSpPr>
+            <a:spLocks noGrp="1"/>
+          </p:cNvSpPr>
+          <p:nvPr>
+            <p:ph idx="1"/>
+          </p:nvPr>
+        </p:nvSpPr>
+        <p:spPr/>
+        <p:txBody>
+          <a:bodyPr/>
+          <a:lstStyle/>
+          <a:p>
+            <a:r>
+              <a:rPr lang="en-US" dirty="0"/>
+              <a:t>Challenging even when studies are relatively familiar</a:t>
+            </a:r>
+          </a:p>
+          <a:p>
+            <a:r>
+              <a:rPr lang="en-US" dirty="0"/>
+              <a:t>Should we be concerned about nuances of heterogeneity that might be missed when we have easy access to many unfamiliar studies?</a:t>
+            </a:r>
+          </a:p>
+          <a:p>
+            <a:r>
+              <a:rPr lang="en-US" dirty="0"/>
+              <a:t>Missing data concerns, survivor bias, … </a:t>
+            </a:r>
+          </a:p>
+        </p:txBody>
+      </p:sp>
+    </p:spTree>
+    <p:extLst>
+      <p:ext uri="{BB962C8B-B14F-4D97-AF65-F5344CB8AC3E}">
+        <p14:creationId xmlns:p14="http://schemas.microsoft.com/office/powerpoint/2010/main" val="2470232866"/>
+      </p:ext>
+    </p:extLst>
+  </p:cSld>
+  <p:clrMapOvr>
+    <a:masterClrMapping/>
+  </p:clrMapOvr>
+</p:sld>
+</file>
+
+<file path=ppt/slides/slide11.xml><?xml version="1.0" encoding="utf-8"?>
+<p:sld xmlns:a="http://schemas.openxmlformats.org/drawingml/2006/main" xmlns:r="http://schemas.openxmlformats.org/officeDocument/2006/relationships" xmlns:p="http://schemas.openxmlformats.org/presentationml/2006/main">
+  <p:cSld>
+    <p:spTree>
+      <p:nvGrpSpPr>
+        <p:cNvPr id="1" name=""/>
+        <p:cNvGrpSpPr/>
+        <p:nvPr/>
+      </p:nvGrpSpPr>
+      <p:grpSpPr>
+        <a:xfrm>
+          <a:off x="0" y="0"/>
+          <a:ext cx="0" cy="0"/>
+          <a:chOff x="0" y="0"/>
+          <a:chExt cx="0" cy="0"/>
+        </a:xfrm>
+      </p:grpSpPr>
+      <p:sp>
+        <p:nvSpPr>
+          <p:cNvPr id="2" name="Title 1">
+            <a:extLst>
+              <a:ext uri="{FF2B5EF4-FFF2-40B4-BE49-F238E27FC236}">
+                <a16:creationId xmlns:a16="http://schemas.microsoft.com/office/drawing/2014/main" id="{1151C3F0-08DF-C844-9B39-8B1CC50B738D}"/>
+              </a:ext>
+            </a:extLst>
+          </p:cNvPr>
+          <p:cNvSpPr>
+            <a:spLocks noGrp="1"/>
+          </p:cNvSpPr>
+          <p:nvPr>
+            <p:ph type="title"/>
+          </p:nvPr>
+        </p:nvSpPr>
+        <p:spPr/>
+        <p:txBody>
+          <a:bodyPr/>
+          <a:lstStyle/>
+          <a:p>
+            <a:r>
+              <a:rPr lang="en-US" dirty="0"/>
+              <a:t>What about analysis code sharing?</a:t>
+            </a:r>
+          </a:p>
+        </p:txBody>
+      </p:sp>
+      <p:sp>
+        <p:nvSpPr>
+          <p:cNvPr id="3" name="Content Placeholder 2">
+            <a:extLst>
+              <a:ext uri="{FF2B5EF4-FFF2-40B4-BE49-F238E27FC236}">
+                <a16:creationId xmlns:a16="http://schemas.microsoft.com/office/drawing/2014/main" id="{4E95B231-C337-9A4D-B160-91ADE87B36A7}"/>
+              </a:ext>
+            </a:extLst>
+          </p:cNvPr>
+          <p:cNvSpPr>
+            <a:spLocks noGrp="1"/>
+          </p:cNvSpPr>
+          <p:nvPr>
+            <p:ph idx="1"/>
+          </p:nvPr>
+        </p:nvSpPr>
+        <p:spPr/>
+        <p:txBody>
+          <a:bodyPr/>
+          <a:lstStyle/>
+          <a:p>
+            <a:r>
+              <a:rPr lang="en-US" dirty="0"/>
+              <a:t>Key for reproducibility</a:t>
+            </a:r>
+          </a:p>
+          <a:p>
+            <a:r>
+              <a:rPr lang="en-US" dirty="0"/>
+              <a:t>Tools are already there (e.g. </a:t>
+            </a:r>
+            <a:r>
+              <a:rPr lang="en-US" dirty="0" err="1"/>
+              <a:t>github</a:t>
+            </a:r>
+            <a:r>
+              <a:rPr lang="en-US" dirty="0"/>
+              <a:t>)</a:t>
+            </a:r>
+          </a:p>
+          <a:p>
+            <a:r>
+              <a:rPr lang="en-US" dirty="0"/>
+              <a:t>Data portals might consider ways to facilitate/encourage/mandate workflows that encourage code transparency and sharing</a:t>
+            </a:r>
+          </a:p>
+          <a:p>
+            <a:r>
+              <a:rPr lang="en-US" dirty="0"/>
+              <a:t>Remote server access model might have advantages over data download model (e.g. ADNI)</a:t>
+            </a:r>
+          </a:p>
+        </p:txBody>
+      </p:sp>
+    </p:spTree>
+    <p:extLst>
+      <p:ext uri="{BB962C8B-B14F-4D97-AF65-F5344CB8AC3E}">
+        <p14:creationId xmlns:p14="http://schemas.microsoft.com/office/powerpoint/2010/main" val="1823992110"/>
+      </p:ext>
+    </p:extLst>
+  </p:cSld>
+  <p:clrMapOvr>
+    <a:masterClrMapping/>
+  </p:clrMapOvr>
+</p:sld>
+</file>
+
 <file path=ppt/slides/slide2.xml><?xml version="1.0" encoding="utf-8"?>
 <p:sld xmlns:a="http://schemas.openxmlformats.org/drawingml/2006/main" xmlns:r="http://schemas.openxmlformats.org/officeDocument/2006/relationships" xmlns:p="http://schemas.openxmlformats.org/presentationml/2006/main">
   <p:cSld>
@@ -3983,7 +4200,7 @@
         </p:blipFill>
         <p:spPr>
           <a:xfrm>
-            <a:off x="228413" y="255495"/>
+            <a:off x="195362" y="266513"/>
             <a:ext cx="11741024" cy="6409283"/>
           </a:xfrm>
         </p:spPr>
@@ -4322,13 +4539,8 @@
           <a:p>
             <a:r>
               <a:rPr lang="en-US" dirty="0"/>
-              <a:t>Challenges of </a:t>
-            </a:r>
-            <a:r>
-              <a:rPr lang="en-US"/>
-              <a:t>AD meta-analysis</a:t>
-            </a:r>
-            <a:endParaRPr lang="en-US" dirty="0"/>
+              <a:t>Challenges of AD coordinated replication</a:t>
+            </a:r>
           </a:p>
         </p:txBody>
       </p:sp>
@@ -4636,7 +4848,7 @@
           <a:p>
             <a:r>
               <a:rPr lang="en-US" dirty="0"/>
-              <a:t>AD meta-analysis challenges</a:t>
+              <a:t>AD integrative data analysis challenges</a:t>
             </a:r>
           </a:p>
         </p:txBody>
